--- a/doc/Projet Machine Learning.pptx
+++ b/doc/Projet Machine Learning.pptx
@@ -108,6 +108,11 @@
       </a:defRPr>
     </a:lvl9pPr>
   </p:defaultTextStyle>
+  <p:extLst>
+    <p:ext uri="{EFAFB233-063F-42B5-8137-9DF3F51BA10A}">
+      <p15:sldGuideLst xmlns:p15="http://schemas.microsoft.com/office/powerpoint/2012/main"/>
+    </p:ext>
+  </p:extLst>
 </p:presentation>
 </file>
 
@@ -206,7 +211,7 @@
           <a:effectLst/>
           <a:extLst>
             <a:ext uri="{91240B29-F687-4f45-9708-019B960494DF}">
-              <a14:hiddenLine xmlns:a14="http://schemas.microsoft.com/office/drawing/2010/main" xmlns="" w="9525">
+              <a14:hiddenLine xmlns="" xmlns:a14="http://schemas.microsoft.com/office/drawing/2010/main" w="9525">
                 <a:solidFill>
                   <a:srgbClr val="000000"/>
                 </a:solidFill>
@@ -398,7 +403,7 @@
           <a:p>
             <a:fld id="{EC2A18E6-95EC-4C3B-A7C8-DE505990BC00}" type="datetimeFigureOut">
               <a:rPr lang="fr-FR" smtClean="0"/>
-              <a:t>08/03/2018</a:t>
+              <a:t>09/03/2018</a:t>
             </a:fld>
             <a:endParaRPr lang="fr-FR"/>
           </a:p>
@@ -716,7 +721,7 @@
           <a:p>
             <a:fld id="{EC2A18E6-95EC-4C3B-A7C8-DE505990BC00}" type="datetimeFigureOut">
               <a:rPr lang="fr-FR" smtClean="0"/>
-              <a:t>08/03/2018</a:t>
+              <a:t>09/03/2018</a:t>
             </a:fld>
             <a:endParaRPr lang="fr-FR"/>
           </a:p>
@@ -1204,7 +1209,7 @@
           <a:p>
             <a:fld id="{EC2A18E6-95EC-4C3B-A7C8-DE505990BC00}" type="datetimeFigureOut">
               <a:rPr lang="fr-FR" smtClean="0"/>
-              <a:t>08/03/2018</a:t>
+              <a:t>09/03/2018</a:t>
             </a:fld>
             <a:endParaRPr lang="fr-FR"/>
           </a:p>
@@ -1573,7 +1578,7 @@
           <a:p>
             <a:fld id="{EC2A18E6-95EC-4C3B-A7C8-DE505990BC00}" type="datetimeFigureOut">
               <a:rPr lang="fr-FR" smtClean="0"/>
-              <a:t>08/03/2018</a:t>
+              <a:t>09/03/2018</a:t>
             </a:fld>
             <a:endParaRPr lang="fr-FR"/>
           </a:p>
@@ -1728,7 +1733,7 @@
           <a:ln/>
           <a:extLst>
             <a:ext uri="{91240B29-F687-4f45-9708-019B960494DF}">
-              <a14:hiddenLine xmlns:a14="http://schemas.microsoft.com/office/drawing/2010/main" xmlns="" w="9525">
+              <a14:hiddenLine xmlns="" xmlns:a14="http://schemas.microsoft.com/office/drawing/2010/main" w="9525">
                 <a:solidFill>
                   <a:srgbClr val="000000"/>
                 </a:solidFill>
@@ -1846,7 +1851,7 @@
           <a:p>
             <a:fld id="{EC2A18E6-95EC-4C3B-A7C8-DE505990BC00}" type="datetimeFigureOut">
               <a:rPr lang="fr-FR" smtClean="0"/>
-              <a:t>08/03/2018</a:t>
+              <a:t>09/03/2018</a:t>
             </a:fld>
             <a:endParaRPr lang="fr-FR"/>
           </a:p>
@@ -2003,7 +2008,7 @@
           <a:ln/>
           <a:extLst>
             <a:ext uri="{91240B29-F687-4f45-9708-019B960494DF}">
-              <a14:hiddenLine xmlns:a14="http://schemas.microsoft.com/office/drawing/2010/main" xmlns="" w="9525">
+              <a14:hiddenLine xmlns="" xmlns:a14="http://schemas.microsoft.com/office/drawing/2010/main" w="9525">
                 <a:solidFill>
                   <a:srgbClr val="000000"/>
                 </a:solidFill>
@@ -2131,7 +2136,7 @@
           <a:p>
             <a:fld id="{EC2A18E6-95EC-4C3B-A7C8-DE505990BC00}" type="datetimeFigureOut">
               <a:rPr lang="fr-FR" smtClean="0"/>
-              <a:t>08/03/2018</a:t>
+              <a:t>09/03/2018</a:t>
             </a:fld>
             <a:endParaRPr lang="fr-FR"/>
           </a:p>
@@ -2286,7 +2291,7 @@
           <a:ln/>
           <a:extLst>
             <a:ext uri="{91240B29-F687-4f45-9708-019B960494DF}">
-              <a14:hiddenLine xmlns:a14="http://schemas.microsoft.com/office/drawing/2010/main" xmlns="" w="9525">
+              <a14:hiddenLine xmlns="" xmlns:a14="http://schemas.microsoft.com/office/drawing/2010/main" w="9525">
                 <a:solidFill>
                   <a:srgbClr val="000000"/>
                 </a:solidFill>
@@ -2414,7 +2419,7 @@
           <a:p>
             <a:fld id="{EC2A18E6-95EC-4C3B-A7C8-DE505990BC00}" type="datetimeFigureOut">
               <a:rPr lang="fr-FR" smtClean="0"/>
-              <a:t>08/03/2018</a:t>
+              <a:t>09/03/2018</a:t>
             </a:fld>
             <a:endParaRPr lang="fr-FR"/>
           </a:p>
@@ -2757,7 +2762,7 @@
           <a:p>
             <a:fld id="{EC2A18E6-95EC-4C3B-A7C8-DE505990BC00}" type="datetimeFigureOut">
               <a:rPr lang="fr-FR" smtClean="0"/>
-              <a:t>08/03/2018</a:t>
+              <a:t>09/03/2018</a:t>
             </a:fld>
             <a:endParaRPr lang="fr-FR"/>
           </a:p>
@@ -2912,7 +2917,7 @@
           <a:ln/>
           <a:extLst>
             <a:ext uri="{91240B29-F687-4f45-9708-019B960494DF}">
-              <a14:hiddenLine xmlns:a14="http://schemas.microsoft.com/office/drawing/2010/main" xmlns="" w="9525">
+              <a14:hiddenLine xmlns="" xmlns:a14="http://schemas.microsoft.com/office/drawing/2010/main" w="9525">
                 <a:solidFill>
                   <a:srgbClr val="000000"/>
                 </a:solidFill>
@@ -3096,7 +3101,7 @@
           <a:p>
             <a:fld id="{EC2A18E6-95EC-4C3B-A7C8-DE505990BC00}" type="datetimeFigureOut">
               <a:rPr lang="fr-FR" smtClean="0"/>
-              <a:t>08/03/2018</a:t>
+              <a:t>09/03/2018</a:t>
             </a:fld>
             <a:endParaRPr lang="fr-FR"/>
           </a:p>
@@ -3251,7 +3256,7 @@
           <a:ln/>
           <a:extLst>
             <a:ext uri="{91240B29-F687-4f45-9708-019B960494DF}">
-              <a14:hiddenLine xmlns:a14="http://schemas.microsoft.com/office/drawing/2010/main" xmlns="" w="9525">
+              <a14:hiddenLine xmlns="" xmlns:a14="http://schemas.microsoft.com/office/drawing/2010/main" w="9525">
                 <a:solidFill>
                   <a:srgbClr val="000000"/>
                 </a:solidFill>
@@ -3573,7 +3578,7 @@
           <a:p>
             <a:fld id="{EC2A18E6-95EC-4C3B-A7C8-DE505990BC00}" type="datetimeFigureOut">
               <a:rPr lang="fr-FR" smtClean="0"/>
-              <a:t>08/03/2018</a:t>
+              <a:t>09/03/2018</a:t>
             </a:fld>
             <a:endParaRPr lang="fr-FR"/>
           </a:p>
@@ -3728,7 +3733,7 @@
           <a:ln/>
           <a:extLst>
             <a:ext uri="{91240B29-F687-4f45-9708-019B960494DF}">
-              <a14:hiddenLine xmlns:a14="http://schemas.microsoft.com/office/drawing/2010/main" xmlns="" w="9525">
+              <a14:hiddenLine xmlns="" xmlns:a14="http://schemas.microsoft.com/office/drawing/2010/main" w="9525">
                 <a:solidFill>
                   <a:srgbClr val="000000"/>
                 </a:solidFill>
@@ -3794,7 +3799,7 @@
           <a:p>
             <a:fld id="{EC2A18E6-95EC-4C3B-A7C8-DE505990BC00}" type="datetimeFigureOut">
               <a:rPr lang="fr-FR" smtClean="0"/>
-              <a:t>08/03/2018</a:t>
+              <a:t>09/03/2018</a:t>
             </a:fld>
             <a:endParaRPr lang="fr-FR"/>
           </a:p>
@@ -3889,7 +3894,7 @@
           <a:p>
             <a:fld id="{EC2A18E6-95EC-4C3B-A7C8-DE505990BC00}" type="datetimeFigureOut">
               <a:rPr lang="fr-FR" smtClean="0"/>
-              <a:t>08/03/2018</a:t>
+              <a:t>09/03/2018</a:t>
             </a:fld>
             <a:endParaRPr lang="fr-FR"/>
           </a:p>
@@ -4157,7 +4162,7 @@
           <a:ln/>
           <a:extLst>
             <a:ext uri="{91240B29-F687-4f45-9708-019B960494DF}">
-              <a14:hiddenLine xmlns:a14="http://schemas.microsoft.com/office/drawing/2010/main" xmlns="" w="9525">
+              <a14:hiddenLine xmlns="" xmlns:a14="http://schemas.microsoft.com/office/drawing/2010/main" w="9525">
                 <a:solidFill>
                   <a:srgbClr val="000000"/>
                 </a:solidFill>
@@ -4356,7 +4361,7 @@
           <a:p>
             <a:fld id="{EC2A18E6-95EC-4C3B-A7C8-DE505990BC00}" type="datetimeFigureOut">
               <a:rPr lang="fr-FR" smtClean="0"/>
-              <a:t>08/03/2018</a:t>
+              <a:t>09/03/2018</a:t>
             </a:fld>
             <a:endParaRPr lang="fr-FR"/>
           </a:p>
@@ -4669,7 +4674,7 @@
           <a:p>
             <a:fld id="{EC2A18E6-95EC-4C3B-A7C8-DE505990BC00}" type="datetimeFigureOut">
               <a:rPr lang="fr-FR" smtClean="0"/>
-              <a:t>08/03/2018</a:t>
+              <a:t>09/03/2018</a:t>
             </a:fld>
             <a:endParaRPr lang="fr-FR"/>
           </a:p>
@@ -4939,7 +4944,7 @@
           <a:p>
             <a:fld id="{EC2A18E6-95EC-4C3B-A7C8-DE505990BC00}" type="datetimeFigureOut">
               <a:rPr lang="fr-FR" smtClean="0"/>
-              <a:t>08/03/2018</a:t>
+              <a:t>09/03/2018</a:t>
             </a:fld>
             <a:endParaRPr lang="fr-FR"/>
           </a:p>
@@ -5496,7 +5501,7 @@
         <p:spPr>
           <a:xfrm>
             <a:off x="655606" y="2356374"/>
-            <a:ext cx="11145329" cy="1477328"/>
+            <a:ext cx="11145329" cy="1754326"/>
           </a:xfrm>
           <a:prstGeom prst="rect">
             <a:avLst/>
@@ -5521,8 +5526,19 @@
             </a:r>
             <a:r>
               <a:rPr lang="fr-FR" dirty="0" smtClean="0"/>
-              <a:t>: C#</a:t>
-            </a:r>
+              <a:t>: C</a:t>
+            </a:r>
+            <a:r>
+              <a:rPr lang="fr-FR" dirty="0" smtClean="0"/>
+              <a:t>#</a:t>
+            </a:r>
+          </a:p>
+          <a:p>
+            <a:r>
+              <a:rPr lang="fr-FR" dirty="0" err="1" smtClean="0"/>
+              <a:t>Mathematica</a:t>
+            </a:r>
+            <a:endParaRPr lang="fr-FR" dirty="0" smtClean="0"/>
           </a:p>
           <a:p>
             <a:endParaRPr lang="fr-FR" dirty="0"/>
@@ -5600,7 +5616,7 @@
         <p:spPr>
           <a:xfrm>
             <a:off x="603847" y="2468517"/>
-            <a:ext cx="11145329" cy="923330"/>
+            <a:ext cx="11145329" cy="369332"/>
           </a:xfrm>
           <a:prstGeom prst="rect">
             <a:avLst/>
@@ -5615,20 +5631,13 @@
           <a:p>
             <a:r>
               <a:rPr lang="fr-FR" dirty="0" smtClean="0"/>
-              <a:t>Séparation linéaire</a:t>
-            </a:r>
-          </a:p>
-          <a:p>
+              <a:t>Séparation </a:t>
+            </a:r>
             <a:r>
               <a:rPr lang="fr-FR" dirty="0" smtClean="0"/>
-              <a:t>Séparation non linéaire</a:t>
-            </a:r>
-          </a:p>
-          <a:p>
-            <a:r>
-              <a:rPr lang="fr-FR" dirty="0" smtClean="0"/>
-              <a:t>XOR</a:t>
-            </a:r>
+              <a:t>linéaire</a:t>
+            </a:r>
+            <a:endParaRPr lang="fr-FR" dirty="0" smtClean="0"/>
           </a:p>
         </p:txBody>
       </p:sp>
@@ -5693,7 +5702,7 @@
         </p:nvSpPr>
         <p:spPr>
           <a:xfrm>
-            <a:off x="523334" y="2434012"/>
+            <a:off x="609598" y="2416760"/>
             <a:ext cx="11145329" cy="369332"/>
           </a:xfrm>
           <a:prstGeom prst="rect">
@@ -5809,8 +5818,25 @@
           <a:p>
             <a:r>
               <a:rPr lang="fr-FR" dirty="0" smtClean="0"/>
-              <a:t>Données en entrée: Passagers selon âge, sexe et tickets de classe sociale</a:t>
-            </a:r>
+              <a:t>Données en entrée: Passagers selon </a:t>
+            </a:r>
+            <a:r>
+              <a:rPr lang="fr-FR" dirty="0" smtClean="0"/>
+              <a:t>âge</a:t>
+            </a:r>
+            <a:r>
+              <a:rPr lang="fr-FR" dirty="0"/>
+              <a:t> </a:t>
+            </a:r>
+            <a:r>
+              <a:rPr lang="fr-FR" dirty="0" smtClean="0"/>
+              <a:t>et</a:t>
+            </a:r>
+            <a:r>
+              <a:rPr lang="fr-FR" dirty="0" smtClean="0"/>
+              <a:t> sexe</a:t>
+            </a:r>
+            <a:endParaRPr lang="fr-FR" dirty="0" smtClean="0"/>
           </a:p>
           <a:p>
             <a:r>
@@ -5824,8 +5850,13 @@
           <a:p>
             <a:r>
               <a:rPr lang="fr-FR" dirty="0" smtClean="0"/>
-              <a:t>Scénario: Statistiques sur les survivants selon l’âge et la classe sociale</a:t>
-            </a:r>
+              <a:t>Scénario: Statistiques sur les survivants selon l’âge et </a:t>
+            </a:r>
+            <a:r>
+              <a:rPr lang="fr-FR" smtClean="0"/>
+              <a:t>le sexe</a:t>
+            </a:r>
+            <a:endParaRPr lang="fr-FR" dirty="0" smtClean="0"/>
           </a:p>
         </p:txBody>
       </p:sp>
